--- a/lecture notes/from Modeling to Continuous-time LQ/powerpoint_handouts (work in progress)/11-Discretization of Continuous-time Transfer-function Models (imcmp-handout-dark) - pub.pptx
+++ b/lecture notes/from Modeling to Continuous-time LQ/powerpoint_handouts (work in progress)/11-Discretization of Continuous-time Transfer-function Models (imcmp-handout-dark) - pub.pptx
@@ -1340,7 +1340,7 @@
           <a:p>
             <a:fld id="{1D8BD707-D9CF-40AE-B4C6-C98DA3205C09}" type="datetimeFigureOut">
               <a:rPr lang="en-US"/>
-              <a:t>10/8/25</a:t>
+              <a:t>10/21/25</a:t>
             </a:fld>
             <a:endParaRPr lang="en-US"/>
           </a:p>
@@ -1596,7 +1596,7 @@
           <a:p>
             <a:fld id="{1D8BD707-D9CF-40AE-B4C6-C98DA3205C09}" type="datetimeFigureOut">
               <a:rPr lang="en-US"/>
-              <a:t>10/8/25</a:t>
+              <a:t>10/21/25</a:t>
             </a:fld>
             <a:endParaRPr lang="en-US"/>
           </a:p>
@@ -1889,7 +1889,7 @@
           <a:p>
             <a:fld id="{1D8BD707-D9CF-40AE-B4C6-C98DA3205C09}" type="datetimeFigureOut">
               <a:rPr lang="en-US"/>
-              <a:t>10/8/25</a:t>
+              <a:t>10/21/25</a:t>
             </a:fld>
             <a:endParaRPr lang="en-US"/>
           </a:p>
@@ -2224,7 +2224,7 @@
           <a:p>
             <a:fld id="{1D8BD707-D9CF-40AE-B4C6-C98DA3205C09}" type="datetimeFigureOut">
               <a:rPr lang="en-US"/>
-              <a:t>10/8/25</a:t>
+              <a:t>10/21/25</a:t>
             </a:fld>
             <a:endParaRPr lang="en-US"/>
           </a:p>
@@ -2422,7 +2422,7 @@
           <a:p>
             <a:fld id="{1D8BD707-D9CF-40AE-B4C6-C98DA3205C09}" type="datetimeFigureOut">
               <a:rPr lang="en-US"/>
-              <a:t>10/8/25</a:t>
+              <a:t>10/21/25</a:t>
             </a:fld>
             <a:endParaRPr lang="en-US"/>
           </a:p>
@@ -2776,7 +2776,7 @@
           <a:p>
             <a:fld id="{1D8BD707-D9CF-40AE-B4C6-C98DA3205C09}" type="datetimeFigureOut">
               <a:rPr lang="en-US"/>
-              <a:t>10/8/25</a:t>
+              <a:t>10/21/25</a:t>
             </a:fld>
             <a:endParaRPr lang="en-US"/>
           </a:p>
@@ -3344,86 +3344,6 @@
       </p:grpSp>
       <p:sp>
         <p:nvSpPr>
-          <p:cNvPr id="7" name="object 7"/>
-          <p:cNvSpPr txBox="1">
-            <a:spLocks noGrp="1"/>
-          </p:cNvSpPr>
-          <p:nvPr>
-            <p:ph type="ftr" sz="quarter" idx="5"/>
-          </p:nvPr>
-        </p:nvSpPr>
-        <p:spPr>
-          <a:prstGeom prst="rect">
-            <a:avLst/>
-          </a:prstGeom>
-        </p:spPr>
-        <p:txBody>
-          <a:bodyPr vert="horz" wrap="square" lIns="0" tIns="24130" rIns="0" bIns="0" rtlCol="0">
-            <a:spAutoFit/>
-          </a:bodyPr>
-          <a:lstStyle/>
-          <a:p>
-            <a:pPr marL="12700">
-              <a:lnSpc>
-                <a:spcPct val="100000"/>
-              </a:lnSpc>
-              <a:spcBef>
-                <a:spcPts val="190"/>
-              </a:spcBef>
-            </a:pPr>
-            <a:r>
-              <a:rPr dirty="0"/>
-              <a:t>Mod</a:t>
-            </a:r>
-            <a:r>
-              <a:rPr spc="80" dirty="0"/>
-              <a:t> </a:t>
-            </a:r>
-            <a:r>
-              <a:rPr dirty="0"/>
-              <a:t>Ctrl</a:t>
-            </a:r>
-            <a:r>
-              <a:rPr spc="75" dirty="0"/>
-              <a:t> </a:t>
-            </a:r>
-            <a:r>
-              <a:rPr dirty="0"/>
-              <a:t>Intro</a:t>
-            </a:r>
-            <a:r>
-              <a:rPr spc="320" dirty="0"/>
-              <a:t> </a:t>
-            </a:r>
-            <a:r>
-              <a:rPr dirty="0"/>
-              <a:t>(w</a:t>
-            </a:r>
-            <a:r>
-              <a:rPr spc="75" dirty="0"/>
-              <a:t> </a:t>
-            </a:r>
-            <a:r>
-              <a:rPr dirty="0"/>
-              <a:t>Matlab</a:t>
-            </a:r>
-            <a:r>
-              <a:rPr spc="80" dirty="0"/>
-              <a:t> &amp;</a:t>
-            </a:r>
-            <a:r>
-              <a:rPr spc="75" dirty="0"/>
-              <a:t> </a:t>
-            </a:r>
-            <a:r>
-              <a:rPr spc="-10" dirty="0"/>
-              <a:t>Python)</a:t>
-            </a:r>
-          </a:p>
-        </p:txBody>
-      </p:sp>
-      <p:sp>
-        <p:nvSpPr>
           <p:cNvPr id="8" name="object 8"/>
           <p:cNvSpPr txBox="1"/>
           <p:nvPr/>
@@ -3540,6 +3460,113 @@
               <a:rPr spc="-50" dirty="0"/>
               <a:t>9</a:t>
             </a:r>
+          </a:p>
+        </p:txBody>
+      </p:sp>
+      <p:sp>
+        <p:nvSpPr>
+          <p:cNvPr id="10" name="object 4">
+            <a:extLst>
+              <a:ext uri="{FF2B5EF4-FFF2-40B4-BE49-F238E27FC236}">
+                <a16:creationId xmlns:a16="http://schemas.microsoft.com/office/drawing/2014/main" id="{0C0DD120-DD46-7DDF-1249-0AEB10084245}"/>
+              </a:ext>
+            </a:extLst>
+          </p:cNvPr>
+          <p:cNvSpPr txBox="1">
+            <a:spLocks noGrp="1"/>
+          </p:cNvSpPr>
+          <p:nvPr>
+            <p:ph type="ftr" sz="quarter" idx="5"/>
+          </p:nvPr>
+        </p:nvSpPr>
+        <p:spPr>
+          <a:xfrm>
+            <a:off x="-61405" y="3322038"/>
+            <a:ext cx="2152650" cy="116699"/>
+          </a:xfrm>
+          <a:prstGeom prst="rect">
+            <a:avLst/>
+          </a:prstGeom>
+        </p:spPr>
+        <p:txBody>
+          <a:bodyPr vert="horz" wrap="square" lIns="0" tIns="24130" rIns="0" bIns="0" rtlCol="0">
+            <a:spAutoFit/>
+          </a:bodyPr>
+          <a:lstStyle/>
+          <a:p>
+            <a:pPr marL="12700" algn="ctr">
+              <a:lnSpc>
+                <a:spcPct val="100000"/>
+              </a:lnSpc>
+              <a:spcBef>
+                <a:spcPts val="190"/>
+              </a:spcBef>
+            </a:pPr>
+            <a:r>
+              <a:rPr dirty="0"/>
+              <a:t>Mod</a:t>
+            </a:r>
+            <a:r>
+              <a:rPr spc="80" dirty="0"/>
+              <a:t> </a:t>
+            </a:r>
+            <a:r>
+              <a:rPr dirty="0"/>
+              <a:t>Ctrl</a:t>
+            </a:r>
+            <a:r>
+              <a:rPr spc="75" dirty="0"/>
+              <a:t> </a:t>
+            </a:r>
+            <a:r>
+              <a:rPr dirty="0"/>
+              <a:t>Intr</a:t>
+            </a:r>
+            <a:r>
+              <a:rPr lang="en-US" dirty="0"/>
+              <a:t>o</a:t>
+            </a:r>
+            <a:r>
+              <a:rPr lang="en-US" spc="320" dirty="0"/>
+              <a:t> </a:t>
+            </a:r>
+            <a:r>
+              <a:rPr lang="en-US" dirty="0"/>
+              <a:t>(</a:t>
+            </a:r>
+            <a:r>
+              <a:rPr dirty="0"/>
+              <a:t>w</a:t>
+            </a:r>
+            <a:r>
+              <a:rPr spc="75" dirty="0"/>
+              <a:t> </a:t>
+            </a:r>
+            <a:r>
+              <a:rPr dirty="0"/>
+              <a:t>Matlab</a:t>
+            </a:r>
+            <a:r>
+              <a:rPr spc="80" dirty="0"/>
+              <a:t> &amp;</a:t>
+            </a:r>
+            <a:r>
+              <a:rPr spc="75" dirty="0"/>
+              <a:t> </a:t>
+            </a:r>
+            <a:r>
+              <a:rPr spc="-10" dirty="0"/>
+              <a:t>Python)</a:t>
+            </a:r>
+            <a:r>
+              <a:rPr lang="en-US" spc="-10" dirty="0"/>
+              <a:t>, Chen &amp; </a:t>
+            </a:r>
+            <a:r>
+              <a:rPr lang="en-US" spc="-10" dirty="0" err="1"/>
+              <a:t>Tomizuka</a:t>
+            </a:r>
+            <a:endParaRPr spc="-10" dirty="0"/>
           </a:p>
         </p:txBody>
       </p:sp>
